--- a/cns presentation reviw 2.220.pptx
+++ b/cns presentation reviw 2.220.pptx
@@ -115,6 +115,11 @@
       </a:defRPr>
     </a:lvl9pPr>
   </p:defaultTextStyle>
+  <p:extLst>
+    <p:ext uri="{EFAFB233-063F-42B5-8137-9DF3F51BA10A}">
+      <p15:sldGuideLst xmlns:p15="http://schemas.microsoft.com/office/powerpoint/2012/main"/>
+    </p:ext>
+  </p:extLst>
 </p:presentation>
 </file>
 
@@ -3824,7 +3829,7 @@
           <a:p>
             <a:fld id="{53BEF823-48A5-43FC-BE03-E79964288B41}" type="datetimeFigureOut">
               <a:rPr lang="en-US" smtClean="0"/>
-              <a:t>2/25/22</a:t>
+              <a:t>3/8/22</a:t>
             </a:fld>
             <a:endParaRPr lang="en-US" dirty="0"/>
           </a:p>
@@ -4035,7 +4040,7 @@
             <a:fld id="{53BEF823-48A5-43FC-BE03-E79964288B41}" type="datetimeFigureOut">
               <a:rPr lang="en-US" smtClean="0"/>
               <a:pPr algn="r"/>
-              <a:t>2/25/22</a:t>
+              <a:t>3/8/22</a:t>
             </a:fld>
             <a:endParaRPr lang="en-US" dirty="0"/>
           </a:p>
@@ -4250,7 +4255,7 @@
             <a:fld id="{53BEF823-48A5-43FC-BE03-E79964288B41}" type="datetimeFigureOut">
               <a:rPr lang="en-US" smtClean="0"/>
               <a:pPr algn="r"/>
-              <a:t>2/25/22</a:t>
+              <a:t>3/8/22</a:t>
             </a:fld>
             <a:endParaRPr lang="en-US" dirty="0"/>
           </a:p>
@@ -4453,7 +4458,7 @@
             <a:fld id="{53BEF823-48A5-43FC-BE03-E79964288B41}" type="datetimeFigureOut">
               <a:rPr lang="en-US" smtClean="0"/>
               <a:pPr algn="r"/>
-              <a:t>2/25/22</a:t>
+              <a:t>3/8/22</a:t>
             </a:fld>
             <a:endParaRPr lang="en-US" dirty="0"/>
           </a:p>
@@ -4737,7 +4742,7 @@
             <a:fld id="{53BEF823-48A5-43FC-BE03-E79964288B41}" type="datetimeFigureOut">
               <a:rPr lang="en-US" smtClean="0"/>
               <a:pPr algn="r"/>
-              <a:t>2/25/22</a:t>
+              <a:t>3/8/22</a:t>
             </a:fld>
             <a:endParaRPr lang="en-US" dirty="0"/>
           </a:p>
@@ -4981,7 +4986,7 @@
             <a:fld id="{53BEF823-48A5-43FC-BE03-E79964288B41}" type="datetimeFigureOut">
               <a:rPr lang="en-US" smtClean="0"/>
               <a:pPr algn="r"/>
-              <a:t>2/25/22</a:t>
+              <a:t>3/8/22</a:t>
             </a:fld>
             <a:endParaRPr lang="en-US" dirty="0"/>
           </a:p>
@@ -5424,7 +5429,7 @@
             <a:fld id="{53BEF823-48A5-43FC-BE03-E79964288B41}" type="datetimeFigureOut">
               <a:rPr lang="en-US" smtClean="0"/>
               <a:pPr algn="r"/>
-              <a:t>2/25/22</a:t>
+              <a:t>3/8/22</a:t>
             </a:fld>
             <a:endParaRPr lang="en-US" dirty="0"/>
           </a:p>
@@ -5570,7 +5575,7 @@
             <a:fld id="{53BEF823-48A5-43FC-BE03-E79964288B41}" type="datetimeFigureOut">
               <a:rPr lang="en-US" smtClean="0"/>
               <a:pPr algn="r"/>
-              <a:t>2/25/22</a:t>
+              <a:t>3/8/22</a:t>
             </a:fld>
             <a:endParaRPr lang="en-US" dirty="0"/>
           </a:p>
@@ -5688,7 +5693,7 @@
             <a:fld id="{53BEF823-48A5-43FC-BE03-E79964288B41}" type="datetimeFigureOut">
               <a:rPr lang="en-US" smtClean="0"/>
               <a:pPr algn="r"/>
-              <a:t>2/25/22</a:t>
+              <a:t>3/8/22</a:t>
             </a:fld>
             <a:endParaRPr lang="en-US" dirty="0"/>
           </a:p>
@@ -5972,7 +5977,7 @@
             <a:fld id="{53BEF823-48A5-43FC-BE03-E79964288B41}" type="datetimeFigureOut">
               <a:rPr lang="en-US" smtClean="0"/>
               <a:pPr algn="r"/>
-              <a:t>2/25/22</a:t>
+              <a:t>3/8/22</a:t>
             </a:fld>
             <a:endParaRPr lang="en-US" dirty="0"/>
           </a:p>
@@ -6267,7 +6272,7 @@
             <a:fld id="{53BEF823-48A5-43FC-BE03-E79964288B41}" type="datetimeFigureOut">
               <a:rPr lang="en-US" smtClean="0"/>
               <a:pPr algn="r"/>
-              <a:t>2/25/22</a:t>
+              <a:t>3/8/22</a:t>
             </a:fld>
             <a:endParaRPr lang="en-US" dirty="0"/>
           </a:p>
@@ -6762,7 +6767,7 @@
             <a:fld id="{53BEF823-48A5-43FC-BE03-E79964288B41}" type="datetimeFigureOut">
               <a:rPr lang="en-US" smtClean="0"/>
               <a:pPr algn="r"/>
-              <a:t>2/25/22</a:t>
+              <a:t>3/8/22</a:t>
             </a:fld>
             <a:endParaRPr lang="en-US" dirty="0"/>
           </a:p>
@@ -7540,6 +7545,20 @@
           <a:lstStyle/>
           <a:p>
             <a:r>
+              <a:rPr lang="en-US" sz="3800" i="1" kern="1200" spc="100" baseline="0" dirty="0">
+                <a:solidFill>
+                  <a:schemeClr val="tx1">
+                    <a:lumMod val="85000"/>
+                    <a:lumOff val="15000"/>
+                  </a:schemeClr>
+                </a:solidFill>
+                <a:latin typeface="+mj-lt"/>
+                <a:ea typeface="+mj-ea"/>
+                <a:cs typeface="+mj-cs"/>
+              </a:rPr>
+              <a:t>MODERN FARM </a:t>
+            </a:r>
+            <a:r>
               <a:rPr lang="en-US" sz="3800" i="1" kern="1200" spc="100" baseline="0">
                 <a:solidFill>
                   <a:schemeClr val="tx1">
@@ -7551,7 +7570,7 @@
                 <a:ea typeface="+mj-ea"/>
                 <a:cs typeface="+mj-cs"/>
               </a:rPr>
-              <a:t>MODERN FARM BREACHING</a:t>
+              <a:t>BREACHING team 42</a:t>
             </a:r>
             <a:br>
               <a:rPr lang="en-US" sz="3800" i="1" kern="1200" spc="100" baseline="0">
